--- a/documentatie/Horse Reality.pptx
+++ b/documentatie/Horse Reality.pptx
@@ -11,8 +11,9 @@
     <p:sldId id="259" r:id="rId5"/>
     <p:sldId id="260" r:id="rId6"/>
     <p:sldId id="261" r:id="rId7"/>
-    <p:sldId id="262" r:id="rId8"/>
-    <p:sldId id="264" r:id="rId9"/>
+    <p:sldId id="266" r:id="rId8"/>
+    <p:sldId id="262" r:id="rId9"/>
+    <p:sldId id="264" r:id="rId10"/>
   </p:sldIdLst>
   <p:sldSz cx="12192000" cy="6858000"/>
   <p:notesSz cx="6858000" cy="9144000"/>
@@ -111,6 +112,11 @@
       </a:defRPr>
     </a:lvl9pPr>
   </p:defaultTextStyle>
+  <p:extLst>
+    <p:ext uri="{EFAFB233-063F-42B5-8137-9DF3F51BA10A}">
+      <p15:sldGuideLst xmlns:p15="http://schemas.microsoft.com/office/powerpoint/2012/main"/>
+    </p:ext>
+  </p:extLst>
 </p:presentation>
 </file>
 
@@ -261,7 +267,7 @@
           <a:p>
             <a:fld id="{FDCBACE3-377C-4D3A-8911-3F55B8C87B73}" type="datetimeFigureOut">
               <a:rPr lang="en-US" smtClean="0"/>
-              <a:t>20-Jan-21</a:t>
+              <a:t>21-Jan-21</a:t>
             </a:fld>
             <a:endParaRPr lang="en-US"/>
           </a:p>
@@ -462,7 +468,7 @@
           <a:p>
             <a:fld id="{FDCBACE3-377C-4D3A-8911-3F55B8C87B73}" type="datetimeFigureOut">
               <a:rPr lang="en-US" smtClean="0"/>
-              <a:t>20-Jan-21</a:t>
+              <a:t>21-Jan-21</a:t>
             </a:fld>
             <a:endParaRPr lang="en-US"/>
           </a:p>
@@ -673,7 +679,7 @@
           <a:p>
             <a:fld id="{FDCBACE3-377C-4D3A-8911-3F55B8C87B73}" type="datetimeFigureOut">
               <a:rPr lang="en-US" smtClean="0"/>
-              <a:t>20-Jan-21</a:t>
+              <a:t>21-Jan-21</a:t>
             </a:fld>
             <a:endParaRPr lang="en-US"/>
           </a:p>
@@ -874,7 +880,7 @@
           <a:p>
             <a:fld id="{FDCBACE3-377C-4D3A-8911-3F55B8C87B73}" type="datetimeFigureOut">
               <a:rPr lang="en-US" smtClean="0"/>
-              <a:t>20-Jan-21</a:t>
+              <a:t>21-Jan-21</a:t>
             </a:fld>
             <a:endParaRPr lang="en-US"/>
           </a:p>
@@ -1152,7 +1158,7 @@
           <a:p>
             <a:fld id="{FDCBACE3-377C-4D3A-8911-3F55B8C87B73}" type="datetimeFigureOut">
               <a:rPr lang="en-US" smtClean="0"/>
-              <a:t>20-Jan-21</a:t>
+              <a:t>21-Jan-21</a:t>
             </a:fld>
             <a:endParaRPr lang="en-US"/>
           </a:p>
@@ -1420,7 +1426,7 @@
           <a:p>
             <a:fld id="{FDCBACE3-377C-4D3A-8911-3F55B8C87B73}" type="datetimeFigureOut">
               <a:rPr lang="en-US" smtClean="0"/>
-              <a:t>20-Jan-21</a:t>
+              <a:t>21-Jan-21</a:t>
             </a:fld>
             <a:endParaRPr lang="en-US"/>
           </a:p>
@@ -1835,7 +1841,7 @@
           <a:p>
             <a:fld id="{FDCBACE3-377C-4D3A-8911-3F55B8C87B73}" type="datetimeFigureOut">
               <a:rPr lang="en-US" smtClean="0"/>
-              <a:t>20-Jan-21</a:t>
+              <a:t>21-Jan-21</a:t>
             </a:fld>
             <a:endParaRPr lang="en-US"/>
           </a:p>
@@ -1979,7 +1985,7 @@
           <a:p>
             <a:fld id="{FDCBACE3-377C-4D3A-8911-3F55B8C87B73}" type="datetimeFigureOut">
               <a:rPr lang="en-US" smtClean="0"/>
-              <a:t>20-Jan-21</a:t>
+              <a:t>21-Jan-21</a:t>
             </a:fld>
             <a:endParaRPr lang="en-US"/>
           </a:p>
@@ -2095,7 +2101,7 @@
           <a:p>
             <a:fld id="{FDCBACE3-377C-4D3A-8911-3F55B8C87B73}" type="datetimeFigureOut">
               <a:rPr lang="en-US" smtClean="0"/>
-              <a:t>20-Jan-21</a:t>
+              <a:t>21-Jan-21</a:t>
             </a:fld>
             <a:endParaRPr lang="en-US"/>
           </a:p>
@@ -2409,7 +2415,7 @@
           <a:p>
             <a:fld id="{FDCBACE3-377C-4D3A-8911-3F55B8C87B73}" type="datetimeFigureOut">
               <a:rPr lang="en-US" smtClean="0"/>
-              <a:t>20-Jan-21</a:t>
+              <a:t>21-Jan-21</a:t>
             </a:fld>
             <a:endParaRPr lang="en-US"/>
           </a:p>
@@ -2700,7 +2706,7 @@
           <a:p>
             <a:fld id="{FDCBACE3-377C-4D3A-8911-3F55B8C87B73}" type="datetimeFigureOut">
               <a:rPr lang="en-US" smtClean="0"/>
-              <a:t>20-Jan-21</a:t>
+              <a:t>21-Jan-21</a:t>
             </a:fld>
             <a:endParaRPr lang="en-US"/>
           </a:p>
@@ -2944,7 +2950,7 @@
           <a:p>
             <a:fld id="{FDCBACE3-377C-4D3A-8911-3F55B8C87B73}" type="datetimeFigureOut">
               <a:rPr lang="en-US" smtClean="0"/>
-              <a:t>20-Jan-21</a:t>
+              <a:t>21-Jan-21</a:t>
             </a:fld>
             <a:endParaRPr lang="en-US"/>
           </a:p>
@@ -4008,6 +4014,21 @@
           </a:p>
           <a:p>
             <a:r>
+              <a:rPr lang="en-US" sz="2000" dirty="0" err="1">
+                <a:solidFill>
+                  <a:schemeClr val="bg1"/>
+                </a:solidFill>
+              </a:rPr>
+              <a:t>Problemen</a:t>
+            </a:r>
+            <a:endParaRPr lang="en-US" sz="2000" dirty="0">
+              <a:solidFill>
+                <a:schemeClr val="bg1"/>
+              </a:solidFill>
+            </a:endParaRPr>
+          </a:p>
+          <a:p>
+            <a:r>
               <a:rPr lang="en-US" sz="2000" dirty="0">
                 <a:solidFill>
                   <a:schemeClr val="bg1"/>
@@ -4351,6 +4372,67 @@
                       </p:childTnLst>
                     </p:cTn>
                   </p:par>
+                  <p:par>
+                    <p:cTn id="28" fill="hold">
+                      <p:stCondLst>
+                        <p:cond delay="indefinite"/>
+                      </p:stCondLst>
+                      <p:childTnLst>
+                        <p:par>
+                          <p:cTn id="29" fill="hold">
+                            <p:stCondLst>
+                              <p:cond delay="0"/>
+                            </p:stCondLst>
+                            <p:childTnLst>
+                              <p:par>
+                                <p:cTn id="30" presetID="10" presetClass="entr" presetSubtype="0" fill="hold" nodeType="clickEffect">
+                                  <p:stCondLst>
+                                    <p:cond delay="0"/>
+                                  </p:stCondLst>
+                                  <p:childTnLst>
+                                    <p:set>
+                                      <p:cBhvr>
+                                        <p:cTn id="31" dur="1" fill="hold">
+                                          <p:stCondLst>
+                                            <p:cond delay="0"/>
+                                          </p:stCondLst>
+                                        </p:cTn>
+                                        <p:tgtEl>
+                                          <p:spTgt spid="3">
+                                            <p:txEl>
+                                              <p:pRg st="5" end="5"/>
+                                            </p:txEl>
+                                          </p:spTgt>
+                                        </p:tgtEl>
+                                        <p:attrNameLst>
+                                          <p:attrName>style.visibility</p:attrName>
+                                        </p:attrNameLst>
+                                      </p:cBhvr>
+                                      <p:to>
+                                        <p:strVal val="visible"/>
+                                      </p:to>
+                                    </p:set>
+                                    <p:animEffect transition="in" filter="fade">
+                                      <p:cBhvr>
+                                        <p:cTn id="32" dur="500"/>
+                                        <p:tgtEl>
+                                          <p:spTgt spid="3">
+                                            <p:txEl>
+                                              <p:pRg st="5" end="5"/>
+                                            </p:txEl>
+                                          </p:spTgt>
+                                        </p:tgtEl>
+                                      </p:cBhvr>
+                                    </p:animEffect>
+                                  </p:childTnLst>
+                                </p:cTn>
+                              </p:par>
+                            </p:childTnLst>
+                          </p:cTn>
+                        </p:par>
+                      </p:childTnLst>
+                    </p:cTn>
+                  </p:par>
                 </p:childTnLst>
               </p:cTn>
               <p:prevCondLst>
@@ -6629,7 +6711,7 @@
           <p:cNvPr id="8" name="Rectangle 7">
             <a:extLst>
               <a:ext uri="{FF2B5EF4-FFF2-40B4-BE49-F238E27FC236}">
-                <a16:creationId xmlns:a16="http://schemas.microsoft.com/office/drawing/2014/main" id="{E8A8EAB8-D2FF-444D-B34B-7D32F106AD0E}"/>
+                <a16:creationId xmlns:a16="http://schemas.microsoft.com/office/drawing/2014/main" id="{A7AE9375-4664-4DB2-922D-2782A6E439AC}"/>
               </a:ext>
               <a:ext uri="{C183D7F6-B498-43B3-948B-1728B52AA6E4}">
                 <adec:decorative xmlns:adec="http://schemas.microsoft.com/office/drawing/2017/decorative" val="1"/>
@@ -6688,6 +6770,525 @@
             <a:pPr algn="ctr"/>
             <a:endParaRPr lang="en-US" dirty="0">
               <a:solidFill>
+                <a:schemeClr val="tx1"/>
+              </a:solidFill>
+            </a:endParaRPr>
+          </a:p>
+        </p:txBody>
+      </p:sp>
+      <p:sp>
+        <p:nvSpPr>
+          <p:cNvPr id="2" name="Title 1">
+            <a:extLst>
+              <a:ext uri="{FF2B5EF4-FFF2-40B4-BE49-F238E27FC236}">
+                <a16:creationId xmlns:a16="http://schemas.microsoft.com/office/drawing/2014/main" id="{5AFF332C-86DF-48DF-A292-D3DB73E0C68A}"/>
+              </a:ext>
+            </a:extLst>
+          </p:cNvPr>
+          <p:cNvSpPr>
+            <a:spLocks noGrp="1"/>
+          </p:cNvSpPr>
+          <p:nvPr>
+            <p:ph type="title"/>
+          </p:nvPr>
+        </p:nvSpPr>
+        <p:spPr>
+          <a:xfrm>
+            <a:off x="838200" y="669925"/>
+            <a:ext cx="4508946" cy="1325563"/>
+          </a:xfrm>
+        </p:spPr>
+        <p:txBody>
+          <a:bodyPr anchor="b">
+            <a:normAutofit/>
+          </a:bodyPr>
+          <a:lstStyle/>
+          <a:p>
+            <a:pPr algn="r"/>
+            <a:r>
+              <a:rPr lang="en-US" dirty="0" err="1">
+                <a:solidFill>
+                  <a:schemeClr val="bg1"/>
+                </a:solidFill>
+              </a:rPr>
+              <a:t>Problemen</a:t>
+            </a:r>
+            <a:endParaRPr lang="en-US" dirty="0">
+              <a:solidFill>
+                <a:schemeClr val="bg1"/>
+              </a:solidFill>
+            </a:endParaRPr>
+          </a:p>
+        </p:txBody>
+      </p:sp>
+      <p:cxnSp>
+        <p:nvCxnSpPr>
+          <p:cNvPr id="10" name="Straight Connector 9">
+            <a:extLst>
+              <a:ext uri="{FF2B5EF4-FFF2-40B4-BE49-F238E27FC236}">
+                <a16:creationId xmlns:a16="http://schemas.microsoft.com/office/drawing/2014/main" id="{EE504C98-6397-41C1-A8D8-2D9C4ED307E0}"/>
+              </a:ext>
+              <a:ext uri="{C183D7F6-B498-43B3-948B-1728B52AA6E4}">
+                <adec:decorative xmlns:adec="http://schemas.microsoft.com/office/drawing/2017/decorative" val="1"/>
+              </a:ext>
+            </a:extLst>
+          </p:cNvPr>
+          <p:cNvCxnSpPr>
+            <a:cxnSpLocks noGrp="1" noRot="1" noChangeAspect="1" noMove="1" noResize="1" noEditPoints="1" noAdjustHandles="1" noChangeArrowheads="1" noChangeShapeType="1"/>
+          </p:cNvCxnSpPr>
+          <p:nvPr>
+            <p:extLst>
+              <p:ext uri="{386F3935-93C4-4BCD-93E2-E3B085C9AB24}">
+                <p16:designElem xmlns:p16="http://schemas.microsoft.com/office/powerpoint/2015/main" val="1"/>
+              </p:ext>
+            </p:extLst>
+          </p:nvPr>
+        </p:nvCxnSpPr>
+        <p:spPr>
+          <a:xfrm flipH="1">
+            <a:off x="126210" y="2026340"/>
+            <a:ext cx="5220936" cy="0"/>
+          </a:xfrm>
+          <a:prstGeom prst="line">
+            <a:avLst/>
+          </a:prstGeom>
+          <a:ln w="12700">
+            <a:solidFill>
+              <a:schemeClr val="accent2"/>
+            </a:solidFill>
+          </a:ln>
+        </p:spPr>
+        <p:style>
+          <a:lnRef idx="1">
+            <a:schemeClr val="accent1"/>
+          </a:lnRef>
+          <a:fillRef idx="0">
+            <a:schemeClr val="accent1"/>
+          </a:fillRef>
+          <a:effectRef idx="0">
+            <a:schemeClr val="accent1"/>
+          </a:effectRef>
+          <a:fontRef idx="minor">
+            <a:schemeClr val="tx1"/>
+          </a:fontRef>
+        </p:style>
+      </p:cxnSp>
+      <p:sp>
+        <p:nvSpPr>
+          <p:cNvPr id="3" name="Content Placeholder 2">
+            <a:extLst>
+              <a:ext uri="{FF2B5EF4-FFF2-40B4-BE49-F238E27FC236}">
+                <a16:creationId xmlns:a16="http://schemas.microsoft.com/office/drawing/2014/main" id="{25BF4C5E-82D5-47E2-A5F8-E10B5201A938}"/>
+              </a:ext>
+            </a:extLst>
+          </p:cNvPr>
+          <p:cNvSpPr>
+            <a:spLocks noGrp="1"/>
+          </p:cNvSpPr>
+          <p:nvPr>
+            <p:ph idx="1"/>
+          </p:nvPr>
+        </p:nvSpPr>
+        <p:spPr>
+          <a:xfrm>
+            <a:off x="1392667" y="2398957"/>
+            <a:ext cx="9406666" cy="3526144"/>
+          </a:xfrm>
+        </p:spPr>
+        <p:txBody>
+          <a:bodyPr>
+            <a:normAutofit/>
+          </a:bodyPr>
+          <a:lstStyle/>
+          <a:p>
+            <a:r>
+              <a:rPr lang="en-US" sz="2400" dirty="0" err="1">
+                <a:solidFill>
+                  <a:schemeClr val="bg1"/>
+                </a:solidFill>
+              </a:rPr>
+              <a:t>Tijd</a:t>
+            </a:r>
+            <a:endParaRPr lang="en-US" sz="2400" dirty="0">
+              <a:solidFill>
+                <a:schemeClr val="bg1"/>
+              </a:solidFill>
+            </a:endParaRPr>
+          </a:p>
+          <a:p>
+            <a:r>
+              <a:rPr lang="en-US" sz="2400" dirty="0" err="1">
+                <a:solidFill>
+                  <a:schemeClr val="bg1"/>
+                </a:solidFill>
+              </a:rPr>
+              <a:t>Moeilijk</a:t>
+            </a:r>
+            <a:r>
+              <a:rPr lang="en-US" sz="2400" dirty="0">
+                <a:solidFill>
+                  <a:schemeClr val="bg1"/>
+                </a:solidFill>
+              </a:rPr>
+              <a:t> </a:t>
+            </a:r>
+            <a:r>
+              <a:rPr lang="en-US" sz="2400" dirty="0" err="1">
+                <a:solidFill>
+                  <a:schemeClr val="bg1"/>
+                </a:solidFill>
+              </a:rPr>
+              <a:t>samenwerken</a:t>
+            </a:r>
+            <a:endParaRPr lang="en-US" sz="2400" dirty="0">
+              <a:solidFill>
+                <a:schemeClr val="bg1"/>
+              </a:solidFill>
+            </a:endParaRPr>
+          </a:p>
+          <a:p>
+            <a:endParaRPr lang="en-US" sz="2400" dirty="0">
+              <a:solidFill>
+                <a:schemeClr val="bg1"/>
+              </a:solidFill>
+            </a:endParaRPr>
+          </a:p>
+          <a:p>
+            <a:endParaRPr lang="en-US" sz="2400" dirty="0">
+              <a:solidFill>
+                <a:schemeClr val="bg1"/>
+              </a:solidFill>
+            </a:endParaRPr>
+          </a:p>
+          <a:p>
+            <a:endParaRPr lang="en-US" sz="2400" dirty="0">
+              <a:solidFill>
+                <a:schemeClr val="bg1"/>
+              </a:solidFill>
+            </a:endParaRPr>
+          </a:p>
+        </p:txBody>
+      </p:sp>
+      <p:sp>
+        <p:nvSpPr>
+          <p:cNvPr id="12" name="Rectangle 11">
+            <a:extLst>
+              <a:ext uri="{FF2B5EF4-FFF2-40B4-BE49-F238E27FC236}">
+                <a16:creationId xmlns:a16="http://schemas.microsoft.com/office/drawing/2014/main" id="{9DD005C1-8C51-42D6-9BEE-B9B83849743D}"/>
+              </a:ext>
+              <a:ext uri="{C183D7F6-B498-43B3-948B-1728B52AA6E4}">
+                <adec:decorative xmlns:adec="http://schemas.microsoft.com/office/drawing/2017/decorative" val="1"/>
+              </a:ext>
+            </a:extLst>
+          </p:cNvPr>
+          <p:cNvSpPr>
+            <a:spLocks noGrp="1" noRot="1" noChangeAspect="1" noMove="1" noResize="1" noEditPoints="1" noAdjustHandles="1" noChangeArrowheads="1" noChangeShapeType="1" noTextEdit="1"/>
+          </p:cNvSpPr>
+          <p:nvPr>
+            <p:extLst>
+              <p:ext uri="{386F3935-93C4-4BCD-93E2-E3B085C9AB24}">
+                <p16:designElem xmlns:p16="http://schemas.microsoft.com/office/powerpoint/2015/main" val="1"/>
+              </p:ext>
+            </p:extLst>
+          </p:nvPr>
+        </p:nvSpPr>
+        <p:spPr>
+          <a:xfrm>
+            <a:off x="126206" y="115193"/>
+            <a:ext cx="11939588" cy="6627614"/>
+          </a:xfrm>
+          <a:prstGeom prst="rect">
+            <a:avLst/>
+          </a:prstGeom>
+          <a:noFill/>
+          <a:ln w="12700">
+            <a:solidFill>
+              <a:schemeClr val="accent2"/>
+            </a:solidFill>
+          </a:ln>
+        </p:spPr>
+        <p:style>
+          <a:lnRef idx="2">
+            <a:schemeClr val="accent1">
+              <a:shade val="50000"/>
+            </a:schemeClr>
+          </a:lnRef>
+          <a:fillRef idx="1">
+            <a:schemeClr val="accent1"/>
+          </a:fillRef>
+          <a:effectRef idx="0">
+            <a:schemeClr val="accent1"/>
+          </a:effectRef>
+          <a:fontRef idx="minor">
+            <a:schemeClr val="lt1"/>
+          </a:fontRef>
+        </p:style>
+        <p:txBody>
+          <a:bodyPr rtlCol="0" anchor="ctr"/>
+          <a:lstStyle/>
+          <a:p>
+            <a:pPr algn="ctr"/>
+            <a:endParaRPr lang="en-US"/>
+          </a:p>
+        </p:txBody>
+      </p:sp>
+    </p:spTree>
+    <p:extLst>
+      <p:ext uri="{BB962C8B-B14F-4D97-AF65-F5344CB8AC3E}">
+        <p14:creationId xmlns:p14="http://schemas.microsoft.com/office/powerpoint/2010/main" val="2076957623"/>
+      </p:ext>
+    </p:extLst>
+  </p:cSld>
+  <p:clrMapOvr>
+    <a:masterClrMapping/>
+  </p:clrMapOvr>
+  <p:transition spd="slow">
+    <p:push dir="u"/>
+  </p:transition>
+  <p:timing>
+    <p:tnLst>
+      <p:par>
+        <p:cTn id="1" dur="indefinite" restart="never" nodeType="tmRoot">
+          <p:childTnLst>
+            <p:seq concurrent="1" nextAc="seek">
+              <p:cTn id="2" dur="indefinite" nodeType="mainSeq">
+                <p:childTnLst>
+                  <p:par>
+                    <p:cTn id="3" fill="hold">
+                      <p:stCondLst>
+                        <p:cond delay="indefinite"/>
+                      </p:stCondLst>
+                      <p:childTnLst>
+                        <p:par>
+                          <p:cTn id="4" fill="hold">
+                            <p:stCondLst>
+                              <p:cond delay="0"/>
+                            </p:stCondLst>
+                            <p:childTnLst>
+                              <p:par>
+                                <p:cTn id="5" presetID="10" presetClass="entr" presetSubtype="0" fill="hold" nodeType="clickEffect">
+                                  <p:stCondLst>
+                                    <p:cond delay="0"/>
+                                  </p:stCondLst>
+                                  <p:childTnLst>
+                                    <p:set>
+                                      <p:cBhvr>
+                                        <p:cTn id="6" dur="1" fill="hold">
+                                          <p:stCondLst>
+                                            <p:cond delay="0"/>
+                                          </p:stCondLst>
+                                        </p:cTn>
+                                        <p:tgtEl>
+                                          <p:spTgt spid="3">
+                                            <p:txEl>
+                                              <p:pRg st="0" end="0"/>
+                                            </p:txEl>
+                                          </p:spTgt>
+                                        </p:tgtEl>
+                                        <p:attrNameLst>
+                                          <p:attrName>style.visibility</p:attrName>
+                                        </p:attrNameLst>
+                                      </p:cBhvr>
+                                      <p:to>
+                                        <p:strVal val="visible"/>
+                                      </p:to>
+                                    </p:set>
+                                    <p:animEffect transition="in" filter="fade">
+                                      <p:cBhvr>
+                                        <p:cTn id="7" dur="500"/>
+                                        <p:tgtEl>
+                                          <p:spTgt spid="3">
+                                            <p:txEl>
+                                              <p:pRg st="0" end="0"/>
+                                            </p:txEl>
+                                          </p:spTgt>
+                                        </p:tgtEl>
+                                      </p:cBhvr>
+                                    </p:animEffect>
+                                  </p:childTnLst>
+                                </p:cTn>
+                              </p:par>
+                            </p:childTnLst>
+                          </p:cTn>
+                        </p:par>
+                      </p:childTnLst>
+                    </p:cTn>
+                  </p:par>
+                  <p:par>
+                    <p:cTn id="8" fill="hold">
+                      <p:stCondLst>
+                        <p:cond delay="indefinite"/>
+                      </p:stCondLst>
+                      <p:childTnLst>
+                        <p:par>
+                          <p:cTn id="9" fill="hold">
+                            <p:stCondLst>
+                              <p:cond delay="0"/>
+                            </p:stCondLst>
+                            <p:childTnLst>
+                              <p:par>
+                                <p:cTn id="10" presetID="10" presetClass="entr" presetSubtype="0" fill="hold" nodeType="clickEffect">
+                                  <p:stCondLst>
+                                    <p:cond delay="0"/>
+                                  </p:stCondLst>
+                                  <p:childTnLst>
+                                    <p:set>
+                                      <p:cBhvr>
+                                        <p:cTn id="11" dur="1" fill="hold">
+                                          <p:stCondLst>
+                                            <p:cond delay="0"/>
+                                          </p:stCondLst>
+                                        </p:cTn>
+                                        <p:tgtEl>
+                                          <p:spTgt spid="3">
+                                            <p:txEl>
+                                              <p:pRg st="1" end="1"/>
+                                            </p:txEl>
+                                          </p:spTgt>
+                                        </p:tgtEl>
+                                        <p:attrNameLst>
+                                          <p:attrName>style.visibility</p:attrName>
+                                        </p:attrNameLst>
+                                      </p:cBhvr>
+                                      <p:to>
+                                        <p:strVal val="visible"/>
+                                      </p:to>
+                                    </p:set>
+                                    <p:animEffect transition="in" filter="fade">
+                                      <p:cBhvr>
+                                        <p:cTn id="12" dur="500"/>
+                                        <p:tgtEl>
+                                          <p:spTgt spid="3">
+                                            <p:txEl>
+                                              <p:pRg st="1" end="1"/>
+                                            </p:txEl>
+                                          </p:spTgt>
+                                        </p:tgtEl>
+                                      </p:cBhvr>
+                                    </p:animEffect>
+                                  </p:childTnLst>
+                                </p:cTn>
+                              </p:par>
+                            </p:childTnLst>
+                          </p:cTn>
+                        </p:par>
+                      </p:childTnLst>
+                    </p:cTn>
+                  </p:par>
+                </p:childTnLst>
+              </p:cTn>
+              <p:prevCondLst>
+                <p:cond evt="onPrev" delay="0">
+                  <p:tgtEl>
+                    <p:sldTgt/>
+                  </p:tgtEl>
+                </p:cond>
+              </p:prevCondLst>
+              <p:nextCondLst>
+                <p:cond evt="onNext" delay="0">
+                  <p:tgtEl>
+                    <p:sldTgt/>
+                  </p:tgtEl>
+                </p:cond>
+              </p:nextCondLst>
+            </p:seq>
+          </p:childTnLst>
+        </p:cTn>
+      </p:par>
+    </p:tnLst>
+  </p:timing>
+</p:sld>
+</file>
+
+<file path=ppt/slides/slide8.xml><?xml version="1.0" encoding="utf-8"?>
+<p:sld xmlns:a="http://schemas.openxmlformats.org/drawingml/2006/main" xmlns:r="http://schemas.openxmlformats.org/officeDocument/2006/relationships" xmlns:p="http://schemas.openxmlformats.org/presentationml/2006/main">
+  <p:cSld>
+    <p:bg>
+      <p:bgPr>
+        <a:solidFill>
+          <a:schemeClr val="bg1"/>
+        </a:solidFill>
+        <a:effectLst/>
+      </p:bgPr>
+    </p:bg>
+    <p:spTree>
+      <p:nvGrpSpPr>
+        <p:cNvPr id="1" name=""/>
+        <p:cNvGrpSpPr/>
+        <p:nvPr/>
+      </p:nvGrpSpPr>
+      <p:grpSpPr>
+        <a:xfrm>
+          <a:off x="0" y="0"/>
+          <a:ext cx="0" cy="0"/>
+          <a:chOff x="0" y="0"/>
+          <a:chExt cx="0" cy="0"/>
+        </a:xfrm>
+      </p:grpSpPr>
+      <p:sp>
+        <p:nvSpPr>
+          <p:cNvPr id="8" name="Rectangle 7">
+            <a:extLst>
+              <a:ext uri="{FF2B5EF4-FFF2-40B4-BE49-F238E27FC236}">
+                <a16:creationId xmlns:a16="http://schemas.microsoft.com/office/drawing/2014/main" id="{E8A8EAB8-D2FF-444D-B34B-7D32F106AD0E}"/>
+              </a:ext>
+              <a:ext uri="{C183D7F6-B498-43B3-948B-1728B52AA6E4}">
+                <adec:decorative xmlns:adec="http://schemas.microsoft.com/office/drawing/2017/decorative" val="1"/>
+              </a:ext>
+            </a:extLst>
+          </p:cNvPr>
+          <p:cNvSpPr>
+            <a:spLocks noGrp="1" noRot="1" noChangeAspect="1" noMove="1" noResize="1" noEditPoints="1" noAdjustHandles="1" noChangeArrowheads="1" noChangeShapeType="1" noTextEdit="1"/>
+          </p:cNvSpPr>
+          <p:nvPr>
+            <p:extLst>
+              <p:ext uri="{386F3935-93C4-4BCD-93E2-E3B085C9AB24}">
+                <p16:designElem xmlns:p16="http://schemas.microsoft.com/office/powerpoint/2015/main" val="1"/>
+              </p:ext>
+            </p:extLst>
+          </p:nvPr>
+        </p:nvSpPr>
+        <p:spPr>
+          <a:xfrm>
+            <a:off x="0" y="0"/>
+            <a:ext cx="12192000" cy="6858000"/>
+          </a:xfrm>
+          <a:prstGeom prst="rect">
+            <a:avLst/>
+          </a:prstGeom>
+          <a:solidFill>
+            <a:schemeClr val="tx1">
+              <a:lumMod val="95000"/>
+              <a:lumOff val="5000"/>
+            </a:schemeClr>
+          </a:solidFill>
+          <a:ln>
+            <a:noFill/>
+          </a:ln>
+        </p:spPr>
+        <p:style>
+          <a:lnRef idx="2">
+            <a:schemeClr val="accent1">
+              <a:shade val="50000"/>
+            </a:schemeClr>
+          </a:lnRef>
+          <a:fillRef idx="1">
+            <a:schemeClr val="accent1"/>
+          </a:fillRef>
+          <a:effectRef idx="0">
+            <a:schemeClr val="accent1"/>
+          </a:effectRef>
+          <a:fontRef idx="minor">
+            <a:schemeClr val="lt1"/>
+          </a:fontRef>
+        </p:style>
+        <p:txBody>
+          <a:bodyPr rtlCol="0" anchor="ctr"/>
+          <a:lstStyle/>
+          <a:p>
+            <a:pPr algn="ctr"/>
+            <a:endParaRPr lang="en-US" dirty="0">
+              <a:solidFill>
                 <a:schemeClr val="bg1"/>
               </a:solidFill>
             </a:endParaRPr>
@@ -6889,7 +7490,7 @@
 </p:sld>
 </file>
 
-<file path=ppt/slides/slide8.xml><?xml version="1.0" encoding="utf-8"?>
+<file path=ppt/slides/slide9.xml><?xml version="1.0" encoding="utf-8"?>
 <p:sld xmlns:a="http://schemas.openxmlformats.org/drawingml/2006/main" xmlns:r="http://schemas.openxmlformats.org/officeDocument/2006/relationships" xmlns:p="http://schemas.openxmlformats.org/presentationml/2006/main">
   <p:cSld>
     <p:bg>
